--- a/Day 13 - JS – Continued.pptx
+++ b/Day 13 - JS – Continued.pptx
@@ -9022,7 +9022,23 @@
             </a:r>
             <a:r>
               <a:rPr lang="en-US" dirty="0"/>
-              <a:t>” in your GitHub repository “</a:t>
+              <a:t>” </a:t>
+            </a:r>
+            <a:r>
+              <a:rPr lang="en-US" dirty="0" smtClean="0"/>
+              <a:t>in </a:t>
+            </a:r>
+            <a:r>
+              <a:rPr lang="en-US" b="1" dirty="0" smtClean="0"/>
+              <a:t>Homework</a:t>
+            </a:r>
+            <a:r>
+              <a:rPr lang="en-US" dirty="0" smtClean="0"/>
+              <a:t> folder in </a:t>
+            </a:r>
+            <a:r>
+              <a:rPr lang="en-US" dirty="0"/>
+              <a:t>your GitHub repository “</a:t>
             </a:r>
             <a:r>
               <a:rPr lang="en-US" b="1" dirty="0" err="1"/>

--- a/Day 13 - JS – Continued.pptx
+++ b/Day 13 - JS – Continued.pptx
@@ -8,10 +8,9 @@
     <p:sldId id="257" r:id="rId2"/>
     <p:sldId id="258" r:id="rId3"/>
     <p:sldId id="259" r:id="rId4"/>
-    <p:sldId id="260" r:id="rId5"/>
-    <p:sldId id="261" r:id="rId6"/>
-    <p:sldId id="263" r:id="rId7"/>
-    <p:sldId id="264" r:id="rId8"/>
+    <p:sldId id="261" r:id="rId5"/>
+    <p:sldId id="263" r:id="rId6"/>
+    <p:sldId id="264" r:id="rId7"/>
   </p:sldIdLst>
   <p:sldSz cx="12192000" cy="6858000"/>
   <p:notesSz cx="6858000" cy="9144000"/>
@@ -6185,6 +6184,13 @@
   <p:clrMapOvr>
     <a:masterClrMapping/>
   </p:clrMapOvr>
+  <p:timing>
+    <p:tnLst>
+      <p:par>
+        <p:cTn id="1" dur="indefinite" restart="never" nodeType="tmRoot"/>
+      </p:par>
+    </p:tnLst>
+  </p:timing>
 </p:sld>
 </file>
 
@@ -7070,6 +7076,13 @@
   <p:clrMapOvr>
     <a:masterClrMapping/>
   </p:clrMapOvr>
+  <p:timing>
+    <p:tnLst>
+      <p:par>
+        <p:cTn id="1" dur="indefinite" restart="never" nodeType="tmRoot"/>
+      </p:par>
+    </p:tnLst>
+  </p:timing>
 </p:sld>
 </file>
 
@@ -7170,7 +7183,7 @@
           <p:cNvPr id="4" name="Title 1">
             <a:extLst>
               <a:ext uri="{FF2B5EF4-FFF2-40B4-BE49-F238E27FC236}">
-                <a16:creationId xmlns:a16="http://schemas.microsoft.com/office/drawing/2014/main" id="{9054F2E1-AB2A-4349-9EE5-22A1398CD06A}"/>
+                <a16:creationId xmlns:a16="http://schemas.microsoft.com/office/drawing/2014/main" id="{D1A48FA7-B6B9-4A3C-A68F-DD827FD90D56}"/>
               </a:ext>
             </a:extLst>
           </p:cNvPr>
@@ -7181,7 +7194,7 @@
         </p:nvSpPr>
         <p:spPr>
           <a:xfrm>
-            <a:off x="646111" y="2604655"/>
+            <a:off x="645130" y="3306754"/>
             <a:ext cx="9404723" cy="835755"/>
           </a:xfrm>
           <a:prstGeom prst="rect">
@@ -7266,9 +7279,10 @@
           </a:lstStyle>
           <a:p>
             <a:r>
-              <a:rPr lang="en-US" dirty="0"/>
-              <a:t>JavaScript String Methods</a:t>
-            </a:r>
+              <a:rPr lang="en-US" dirty="0" smtClean="0"/>
+              <a:t>JavaScript String Methods</a:t>
+            </a:r>
+            <a:endParaRPr lang="en-US" dirty="0"/>
           </a:p>
         </p:txBody>
       </p:sp>
@@ -7277,7 +7291,7 @@
           <p:cNvPr id="5" name="Content Placeholder 2">
             <a:extLst>
               <a:ext uri="{FF2B5EF4-FFF2-40B4-BE49-F238E27FC236}">
-                <a16:creationId xmlns:a16="http://schemas.microsoft.com/office/drawing/2014/main" id="{E60BB177-AB65-4A5E-83EB-0772CF70984B}"/>
+                <a16:creationId xmlns:a16="http://schemas.microsoft.com/office/drawing/2014/main" id="{7FDE06B8-014C-4EF3-A1C9-6F91855ACF21}"/>
               </a:ext>
             </a:extLst>
           </p:cNvPr>
@@ -7288,7 +7302,7 @@
         </p:nvSpPr>
         <p:spPr>
           <a:xfrm>
-            <a:off x="1103312" y="3440411"/>
+            <a:off x="1102331" y="4142510"/>
             <a:ext cx="8946541" cy="1316181"/>
           </a:xfrm>
           <a:prstGeom prst="rect">
@@ -7529,7 +7543,11 @@
           <a:p>
             <a:r>
               <a:rPr lang="en-US" dirty="0"/>
-              <a:t>String methods help you to work with strings.</a:t>
+              <a:t>String methods help you to work with strings</a:t>
+            </a:r>
+            <a:r>
+              <a:rPr lang="en-US" dirty="0" smtClean="0"/>
+              <a:t>.</a:t>
             </a:r>
           </a:p>
           <a:p>
@@ -7537,381 +7555,15 @@
               <a:rPr lang="en-US" dirty="0">
                 <a:hlinkClick r:id="rId3"/>
               </a:rPr>
-              <a:t>https://www.w3schools.com/js/js_string_methods.asp</a:t>
-            </a:r>
-            <a:endParaRPr lang="en-US" dirty="0"/>
-          </a:p>
-        </p:txBody>
-      </p:sp>
-      <p:sp>
-        <p:nvSpPr>
-          <p:cNvPr id="6" name="Title 1">
-            <a:extLst>
-              <a:ext uri="{FF2B5EF4-FFF2-40B4-BE49-F238E27FC236}">
-                <a16:creationId xmlns:a16="http://schemas.microsoft.com/office/drawing/2014/main" id="{1AE0687C-6E8B-4E34-8B9E-7813208E0420}"/>
-              </a:ext>
-            </a:extLst>
-          </p:cNvPr>
-          <p:cNvSpPr txBox="1">
-            <a:spLocks/>
-          </p:cNvSpPr>
-          <p:nvPr/>
-        </p:nvSpPr>
-        <p:spPr>
-          <a:xfrm>
-            <a:off x="646111" y="4706063"/>
-            <a:ext cx="9404723" cy="835755"/>
-          </a:xfrm>
-          <a:prstGeom prst="rect">
-            <a:avLst/>
-          </a:prstGeom>
-        </p:spPr>
-        <p:txBody>
-          <a:bodyPr vert="horz" lIns="91440" tIns="45720" rIns="91440" bIns="45720" rtlCol="0" anchor="t">
-            <a:noAutofit/>
-          </a:bodyPr>
-          <a:lstStyle>
-            <a:lvl1pPr algn="l" defTabSz="457200" rtl="0" eaLnBrk="1" latinLnBrk="0" hangingPunct="1">
-              <a:spcBef>
-                <a:spcPct val="0"/>
-              </a:spcBef>
-              <a:buNone/>
-              <a:defRPr sz="4200" b="0" i="0" kern="1200">
-                <a:solidFill>
-                  <a:schemeClr val="tx2"/>
-                </a:solidFill>
-                <a:latin typeface="+mj-lt"/>
-                <a:ea typeface="+mj-ea"/>
-                <a:cs typeface="+mj-cs"/>
-              </a:defRPr>
-            </a:lvl1pPr>
-            <a:lvl2pPr eaLnBrk="1" hangingPunct="1">
-              <a:defRPr>
-                <a:solidFill>
-                  <a:schemeClr val="tx2"/>
-                </a:solidFill>
-              </a:defRPr>
-            </a:lvl2pPr>
-            <a:lvl3pPr eaLnBrk="1" hangingPunct="1">
-              <a:defRPr>
-                <a:solidFill>
-                  <a:schemeClr val="tx2"/>
-                </a:solidFill>
-              </a:defRPr>
-            </a:lvl3pPr>
-            <a:lvl4pPr eaLnBrk="1" hangingPunct="1">
-              <a:defRPr>
-                <a:solidFill>
-                  <a:schemeClr val="tx2"/>
-                </a:solidFill>
-              </a:defRPr>
-            </a:lvl4pPr>
-            <a:lvl5pPr eaLnBrk="1" hangingPunct="1">
-              <a:defRPr>
-                <a:solidFill>
-                  <a:schemeClr val="tx2"/>
-                </a:solidFill>
-              </a:defRPr>
-            </a:lvl5pPr>
-            <a:lvl6pPr eaLnBrk="1" hangingPunct="1">
-              <a:defRPr>
-                <a:solidFill>
-                  <a:schemeClr val="tx2"/>
-                </a:solidFill>
-              </a:defRPr>
-            </a:lvl6pPr>
-            <a:lvl7pPr eaLnBrk="1" hangingPunct="1">
-              <a:defRPr>
-                <a:solidFill>
-                  <a:schemeClr val="tx2"/>
-                </a:solidFill>
-              </a:defRPr>
-            </a:lvl7pPr>
-            <a:lvl8pPr eaLnBrk="1" hangingPunct="1">
-              <a:defRPr>
-                <a:solidFill>
-                  <a:schemeClr val="tx2"/>
-                </a:solidFill>
-              </a:defRPr>
-            </a:lvl8pPr>
-            <a:lvl9pPr eaLnBrk="1" hangingPunct="1">
-              <a:defRPr>
-                <a:solidFill>
-                  <a:schemeClr val="tx2"/>
-                </a:solidFill>
-              </a:defRPr>
-            </a:lvl9pPr>
-          </a:lstStyle>
-          <a:p>
-            <a:r>
-              <a:rPr lang="en-US" dirty="0"/>
-              <a:t>JavaScript Numbers</a:t>
-            </a:r>
-          </a:p>
-        </p:txBody>
-      </p:sp>
-      <p:sp>
-        <p:nvSpPr>
-          <p:cNvPr id="7" name="Content Placeholder 2">
-            <a:extLst>
-              <a:ext uri="{FF2B5EF4-FFF2-40B4-BE49-F238E27FC236}">
-                <a16:creationId xmlns:a16="http://schemas.microsoft.com/office/drawing/2014/main" id="{7829DC20-7DCE-461B-BDC2-6243BD7B8E86}"/>
-              </a:ext>
-            </a:extLst>
-          </p:cNvPr>
-          <p:cNvSpPr txBox="1">
-            <a:spLocks/>
-          </p:cNvSpPr>
-          <p:nvPr/>
-        </p:nvSpPr>
-        <p:spPr>
-          <a:xfrm>
-            <a:off x="1103312" y="5763491"/>
-            <a:ext cx="8946541" cy="1094509"/>
-          </a:xfrm>
-          <a:prstGeom prst="rect">
-            <a:avLst/>
-          </a:prstGeom>
-        </p:spPr>
-        <p:txBody>
-          <a:bodyPr vert="horz" lIns="91440" tIns="45720" rIns="91440" bIns="45720" rtlCol="0">
-            <a:normAutofit/>
-          </a:bodyPr>
-          <a:lstStyle>
-            <a:lvl1pPr marL="342900" indent="-342900" algn="l" defTabSz="457200" rtl="0" eaLnBrk="1" latinLnBrk="0" hangingPunct="1">
-              <a:spcBef>
-                <a:spcPts val="1000"/>
-              </a:spcBef>
-              <a:spcAft>
-                <a:spcPts val="0"/>
-              </a:spcAft>
-              <a:buClr>
-                <a:schemeClr val="accent1">
-                  <a:lumMod val="60000"/>
-                  <a:lumOff val="40000"/>
-                </a:schemeClr>
-              </a:buClr>
-              <a:buSzPct val="80000"/>
-              <a:buFont typeface="Wingdings 3" charset="2"/>
-              <a:buChar char=""/>
-              <a:defRPr sz="2000" b="0" i="0" kern="1200">
-                <a:solidFill>
-                  <a:schemeClr val="tx1"/>
-                </a:solidFill>
-                <a:latin typeface="+mj-lt"/>
-                <a:ea typeface="+mj-ea"/>
-                <a:cs typeface="+mj-cs"/>
-              </a:defRPr>
-            </a:lvl1pPr>
-            <a:lvl2pPr marL="742950" indent="-285750" algn="l" defTabSz="457200" rtl="0" eaLnBrk="1" latinLnBrk="0" hangingPunct="1">
-              <a:spcBef>
-                <a:spcPts val="1000"/>
-              </a:spcBef>
-              <a:spcAft>
-                <a:spcPts val="0"/>
-              </a:spcAft>
-              <a:buClr>
-                <a:schemeClr val="accent1">
-                  <a:lumMod val="60000"/>
-                  <a:lumOff val="40000"/>
-                </a:schemeClr>
-              </a:buClr>
-              <a:buSzPct val="80000"/>
-              <a:buFont typeface="Wingdings 3" charset="2"/>
-              <a:buChar char=""/>
-              <a:defRPr sz="1800" b="0" i="0" kern="1200">
-                <a:solidFill>
-                  <a:schemeClr val="tx1"/>
-                </a:solidFill>
-                <a:latin typeface="+mj-lt"/>
-                <a:ea typeface="+mj-ea"/>
-                <a:cs typeface="+mj-cs"/>
-              </a:defRPr>
-            </a:lvl2pPr>
-            <a:lvl3pPr marL="1143000" indent="-228600" algn="l" defTabSz="457200" rtl="0" eaLnBrk="1" latinLnBrk="0" hangingPunct="1">
-              <a:spcBef>
-                <a:spcPts val="1000"/>
-              </a:spcBef>
-              <a:spcAft>
-                <a:spcPts val="0"/>
-              </a:spcAft>
-              <a:buClr>
-                <a:schemeClr val="accent1">
-                  <a:lumMod val="60000"/>
-                  <a:lumOff val="40000"/>
-                </a:schemeClr>
-              </a:buClr>
-              <a:buSzPct val="80000"/>
-              <a:buFont typeface="Wingdings 3" charset="2"/>
-              <a:buChar char=""/>
-              <a:defRPr sz="1600" b="0" i="0" kern="1200">
-                <a:solidFill>
-                  <a:schemeClr val="tx1"/>
-                </a:solidFill>
-                <a:latin typeface="+mj-lt"/>
-                <a:ea typeface="+mj-ea"/>
-                <a:cs typeface="+mj-cs"/>
-              </a:defRPr>
-            </a:lvl3pPr>
-            <a:lvl4pPr marL="1600200" indent="-228600" algn="l" defTabSz="457200" rtl="0" eaLnBrk="1" latinLnBrk="0" hangingPunct="1">
-              <a:spcBef>
-                <a:spcPts val="1000"/>
-              </a:spcBef>
-              <a:spcAft>
-                <a:spcPts val="0"/>
-              </a:spcAft>
-              <a:buClr>
-                <a:schemeClr val="accent1">
-                  <a:lumMod val="60000"/>
-                  <a:lumOff val="40000"/>
-                </a:schemeClr>
-              </a:buClr>
-              <a:buSzPct val="80000"/>
-              <a:buFont typeface="Wingdings 3" charset="2"/>
-              <a:buChar char=""/>
-              <a:defRPr sz="1400" b="0" i="0" kern="1200">
-                <a:solidFill>
-                  <a:schemeClr val="tx1"/>
-                </a:solidFill>
-                <a:latin typeface="+mj-lt"/>
-                <a:ea typeface="+mj-ea"/>
-                <a:cs typeface="+mj-cs"/>
-              </a:defRPr>
-            </a:lvl4pPr>
-            <a:lvl5pPr marL="2057400" indent="-228600" algn="l" defTabSz="457200" rtl="0" eaLnBrk="1" latinLnBrk="0" hangingPunct="1">
-              <a:spcBef>
-                <a:spcPts val="1000"/>
-              </a:spcBef>
-              <a:spcAft>
-                <a:spcPts val="0"/>
-              </a:spcAft>
-              <a:buClr>
-                <a:schemeClr val="accent1">
-                  <a:lumMod val="60000"/>
-                  <a:lumOff val="40000"/>
-                </a:schemeClr>
-              </a:buClr>
-              <a:buSzPct val="80000"/>
-              <a:buFont typeface="Wingdings 3" charset="2"/>
-              <a:buChar char=""/>
-              <a:defRPr sz="1400" b="0" i="0" kern="1200">
-                <a:solidFill>
-                  <a:schemeClr val="tx1"/>
-                </a:solidFill>
-                <a:latin typeface="+mj-lt"/>
-                <a:ea typeface="+mj-ea"/>
-                <a:cs typeface="+mj-cs"/>
-              </a:defRPr>
-            </a:lvl5pPr>
-            <a:lvl6pPr marL="2514600" indent="-228600" algn="l" defTabSz="457200" rtl="0" eaLnBrk="1" latinLnBrk="0" hangingPunct="1">
-              <a:spcBef>
-                <a:spcPts val="1000"/>
-              </a:spcBef>
-              <a:spcAft>
-                <a:spcPts val="0"/>
-              </a:spcAft>
-              <a:buClr>
-                <a:schemeClr val="accent1">
-                  <a:lumMod val="60000"/>
-                  <a:lumOff val="40000"/>
-                </a:schemeClr>
-              </a:buClr>
-              <a:buSzPct val="80000"/>
-              <a:buFont typeface="Wingdings 3" charset="2"/>
-              <a:buChar char=""/>
-              <a:defRPr sz="1400" b="0" i="0" kern="1200">
-                <a:solidFill>
-                  <a:schemeClr val="tx1"/>
-                </a:solidFill>
-                <a:latin typeface="+mj-lt"/>
-                <a:ea typeface="+mj-ea"/>
-                <a:cs typeface="+mj-cs"/>
-              </a:defRPr>
-            </a:lvl6pPr>
-            <a:lvl7pPr marL="2971800" indent="-228600" algn="l" defTabSz="457200" rtl="0" eaLnBrk="1" latinLnBrk="0" hangingPunct="1">
-              <a:spcBef>
-                <a:spcPts val="1000"/>
-              </a:spcBef>
-              <a:spcAft>
-                <a:spcPts val="0"/>
-              </a:spcAft>
-              <a:buClr>
-                <a:schemeClr val="accent1">
-                  <a:lumMod val="60000"/>
-                  <a:lumOff val="40000"/>
-                </a:schemeClr>
-              </a:buClr>
-              <a:buSzPct val="80000"/>
-              <a:buFont typeface="Wingdings 3" charset="2"/>
-              <a:buChar char=""/>
-              <a:defRPr sz="1400" b="0" i="0" kern="1200">
-                <a:solidFill>
-                  <a:schemeClr val="tx1"/>
-                </a:solidFill>
-                <a:latin typeface="+mj-lt"/>
-                <a:ea typeface="+mj-ea"/>
-                <a:cs typeface="+mj-cs"/>
-              </a:defRPr>
-            </a:lvl7pPr>
-            <a:lvl8pPr marL="3429000" indent="-228600" algn="l" defTabSz="457200" rtl="0" eaLnBrk="1" latinLnBrk="0" hangingPunct="1">
-              <a:spcBef>
-                <a:spcPts val="1000"/>
-              </a:spcBef>
-              <a:spcAft>
-                <a:spcPts val="0"/>
-              </a:spcAft>
-              <a:buClr>
-                <a:schemeClr val="accent1">
-                  <a:lumMod val="60000"/>
-                  <a:lumOff val="40000"/>
-                </a:schemeClr>
-              </a:buClr>
-              <a:buSzPct val="80000"/>
-              <a:buFont typeface="Wingdings 3" charset="2"/>
-              <a:buChar char=""/>
-              <a:defRPr sz="1400" b="0" i="0" kern="1200">
-                <a:solidFill>
-                  <a:schemeClr val="tx1"/>
-                </a:solidFill>
-                <a:latin typeface="+mj-lt"/>
-                <a:ea typeface="+mj-ea"/>
-                <a:cs typeface="+mj-cs"/>
-              </a:defRPr>
-            </a:lvl8pPr>
-            <a:lvl9pPr marL="3886200" indent="-228600" algn="l" defTabSz="457200" rtl="0" eaLnBrk="1" latinLnBrk="0" hangingPunct="1">
-              <a:spcBef>
-                <a:spcPts val="1000"/>
-              </a:spcBef>
-              <a:spcAft>
-                <a:spcPts val="0"/>
-              </a:spcAft>
-              <a:buClr>
-                <a:schemeClr val="accent1">
-                  <a:lumMod val="60000"/>
-                  <a:lumOff val="40000"/>
-                </a:schemeClr>
-              </a:buClr>
-              <a:buSzPct val="80000"/>
-              <a:buFont typeface="Wingdings 3" charset="2"/>
-              <a:buChar char=""/>
-              <a:defRPr sz="1400" b="0" i="0" kern="1200">
-                <a:solidFill>
-                  <a:schemeClr val="tx1"/>
-                </a:solidFill>
-                <a:latin typeface="+mj-lt"/>
-                <a:ea typeface="+mj-ea"/>
-                <a:cs typeface="+mj-cs"/>
-              </a:defRPr>
-            </a:lvl9pPr>
-          </a:lstStyle>
-          <a:p>
-            <a:r>
-              <a:rPr lang="en-US" dirty="0">
-                <a:hlinkClick r:id="rId4"/>
+              <a:t>https://</a:t>
+            </a:r>
+            <a:r>
+              <a:rPr lang="en-US" dirty="0" smtClean="0">
+                <a:hlinkClick r:id="rId3"/>
               </a:rPr>
-              <a:t>https://www.w3schools.com/js/js_numbers.asp</a:t>
-            </a:r>
-            <a:endParaRPr lang="en-US" dirty="0"/>
+              <a:t>www.w3schools.com/js/js_string_methods.asp</a:t>
+            </a:r>
+            <a:endParaRPr lang="en-US" dirty="0" smtClean="0"/>
           </a:p>
         </p:txBody>
       </p:sp>
@@ -7925,6 +7577,13 @@
   <p:clrMapOvr>
     <a:masterClrMapping/>
   </p:clrMapOvr>
+  <p:timing>
+    <p:tnLst>
+      <p:par>
+        <p:cTn id="1" dur="indefinite" restart="never" nodeType="tmRoot"/>
+      </p:par>
+    </p:tnLst>
+  </p:timing>
 </p:sld>
 </file>
 
@@ -7950,7 +7609,7 @@
           <p:cNvPr id="2" name="Title 1">
             <a:extLst>
               <a:ext uri="{FF2B5EF4-FFF2-40B4-BE49-F238E27FC236}">
-                <a16:creationId xmlns:a16="http://schemas.microsoft.com/office/drawing/2014/main" id="{D1A48FA7-B6B9-4A3C-A68F-DD827FD90D56}"/>
+                <a16:creationId xmlns:a16="http://schemas.microsoft.com/office/drawing/2014/main" id="{70926CA4-12AA-4DE6-8C63-2B16EF2C04EA}"/>
               </a:ext>
             </a:extLst>
           </p:cNvPr>
@@ -7961,19 +7620,14 @@
             <p:ph type="title"/>
           </p:nvPr>
         </p:nvSpPr>
-        <p:spPr>
-          <a:xfrm>
-            <a:off x="646111" y="452718"/>
-            <a:ext cx="9404723" cy="835755"/>
-          </a:xfrm>
-        </p:spPr>
+        <p:spPr/>
         <p:txBody>
           <a:bodyPr/>
           <a:lstStyle/>
           <a:p>
             <a:r>
               <a:rPr lang="en-US" dirty="0"/>
-              <a:t>JavaScript Number Methods</a:t>
+              <a:t>Exam 2 – 7/13/2018 (Friday)</a:t>
             </a:r>
           </a:p>
         </p:txBody>
@@ -7983,7 +7637,7 @@
           <p:cNvPr id="3" name="Content Placeholder 2">
             <a:extLst>
               <a:ext uri="{FF2B5EF4-FFF2-40B4-BE49-F238E27FC236}">
-                <a16:creationId xmlns:a16="http://schemas.microsoft.com/office/drawing/2014/main" id="{7FDE06B8-014C-4EF3-A1C9-6F91855ACF21}"/>
+                <a16:creationId xmlns:a16="http://schemas.microsoft.com/office/drawing/2014/main" id="{1EBFAA01-4E2E-44CE-A6BA-EB2794DE7827}"/>
               </a:ext>
             </a:extLst>
           </p:cNvPr>
@@ -7996,8 +7650,8 @@
         </p:nvSpPr>
         <p:spPr>
           <a:xfrm>
-            <a:off x="1103312" y="1288474"/>
-            <a:ext cx="8946541" cy="1316181"/>
+            <a:off x="1103312" y="2052918"/>
+            <a:ext cx="9167123" cy="2744369"/>
           </a:xfrm>
         </p:spPr>
         <p:txBody>
@@ -8006,766 +7660,49 @@
           <a:p>
             <a:r>
               <a:rPr lang="en-US" dirty="0"/>
-              <a:t>Number methods help you work with numbers.</a:t>
-            </a:r>
+              <a:t>Study all slides on Cascading Style Sheets(CSS):</a:t>
+            </a:r>
+          </a:p>
+          <a:p>
+            <a:endParaRPr lang="en-US" dirty="0">
+              <a:hlinkClick r:id="rId2"/>
+            </a:endParaRPr>
           </a:p>
           <a:p>
             <a:r>
               <a:rPr lang="en-US" dirty="0">
                 <a:hlinkClick r:id="rId2"/>
               </a:rPr>
-              <a:t>https://www.w3schools.com/js/js_number_methods.asp</a:t>
-            </a:r>
-            <a:endParaRPr lang="en-US" dirty="0"/>
-          </a:p>
-        </p:txBody>
-      </p:sp>
-      <p:sp>
-        <p:nvSpPr>
-          <p:cNvPr id="4" name="Title 1">
-            <a:extLst>
-              <a:ext uri="{FF2B5EF4-FFF2-40B4-BE49-F238E27FC236}">
-                <a16:creationId xmlns:a16="http://schemas.microsoft.com/office/drawing/2014/main" id="{9054F2E1-AB2A-4349-9EE5-22A1398CD06A}"/>
-              </a:ext>
-            </a:extLst>
-          </p:cNvPr>
-          <p:cNvSpPr txBox="1">
-            <a:spLocks/>
-          </p:cNvSpPr>
-          <p:nvPr/>
-        </p:nvSpPr>
-        <p:spPr>
-          <a:xfrm>
-            <a:off x="646111" y="2604655"/>
-            <a:ext cx="9404723" cy="835755"/>
-          </a:xfrm>
-          <a:prstGeom prst="rect">
-            <a:avLst/>
-          </a:prstGeom>
-        </p:spPr>
-        <p:txBody>
-          <a:bodyPr vert="horz" lIns="91440" tIns="45720" rIns="91440" bIns="45720" rtlCol="0" anchor="t">
-            <a:noAutofit/>
-          </a:bodyPr>
-          <a:lstStyle>
-            <a:lvl1pPr algn="l" defTabSz="457200" rtl="0" eaLnBrk="1" latinLnBrk="0" hangingPunct="1">
-              <a:spcBef>
-                <a:spcPct val="0"/>
-              </a:spcBef>
-              <a:buNone/>
-              <a:defRPr sz="4200" b="0" i="0" kern="1200">
-                <a:solidFill>
-                  <a:schemeClr val="tx2"/>
-                </a:solidFill>
-                <a:latin typeface="+mj-lt"/>
-                <a:ea typeface="+mj-ea"/>
-                <a:cs typeface="+mj-cs"/>
-              </a:defRPr>
-            </a:lvl1pPr>
-            <a:lvl2pPr eaLnBrk="1" hangingPunct="1">
-              <a:defRPr>
-                <a:solidFill>
-                  <a:schemeClr val="tx2"/>
-                </a:solidFill>
-              </a:defRPr>
-            </a:lvl2pPr>
-            <a:lvl3pPr eaLnBrk="1" hangingPunct="1">
-              <a:defRPr>
-                <a:solidFill>
-                  <a:schemeClr val="tx2"/>
-                </a:solidFill>
-              </a:defRPr>
-            </a:lvl3pPr>
-            <a:lvl4pPr eaLnBrk="1" hangingPunct="1">
-              <a:defRPr>
-                <a:solidFill>
-                  <a:schemeClr val="tx2"/>
-                </a:solidFill>
-              </a:defRPr>
-            </a:lvl4pPr>
-            <a:lvl5pPr eaLnBrk="1" hangingPunct="1">
-              <a:defRPr>
-                <a:solidFill>
-                  <a:schemeClr val="tx2"/>
-                </a:solidFill>
-              </a:defRPr>
-            </a:lvl5pPr>
-            <a:lvl6pPr eaLnBrk="1" hangingPunct="1">
-              <a:defRPr>
-                <a:solidFill>
-                  <a:schemeClr val="tx2"/>
-                </a:solidFill>
-              </a:defRPr>
-            </a:lvl6pPr>
-            <a:lvl7pPr eaLnBrk="1" hangingPunct="1">
-              <a:defRPr>
-                <a:solidFill>
-                  <a:schemeClr val="tx2"/>
-                </a:solidFill>
-              </a:defRPr>
-            </a:lvl7pPr>
-            <a:lvl8pPr eaLnBrk="1" hangingPunct="1">
-              <a:defRPr>
-                <a:solidFill>
-                  <a:schemeClr val="tx2"/>
-                </a:solidFill>
-              </a:defRPr>
-            </a:lvl8pPr>
-            <a:lvl9pPr eaLnBrk="1" hangingPunct="1">
-              <a:defRPr>
-                <a:solidFill>
-                  <a:schemeClr val="tx2"/>
-                </a:solidFill>
-              </a:defRPr>
-            </a:lvl9pPr>
-          </a:lstStyle>
+              <a:t>https://github.com/manupeethambar888/webdev</a:t>
+            </a:r>
+            <a:endParaRPr lang="en-US" dirty="0"/>
+          </a:p>
+          <a:p>
+            <a:pPr marL="0" indent="0">
+              <a:buNone/>
+            </a:pPr>
+            <a:endParaRPr lang="en-US" dirty="0"/>
+          </a:p>
           <a:p>
             <a:r>
               <a:rPr lang="en-US" dirty="0"/>
-              <a:t>JavaScript Arrays</a:t>
-            </a:r>
-          </a:p>
-        </p:txBody>
-      </p:sp>
-      <p:sp>
-        <p:nvSpPr>
-          <p:cNvPr id="5" name="Content Placeholder 2">
-            <a:extLst>
-              <a:ext uri="{FF2B5EF4-FFF2-40B4-BE49-F238E27FC236}">
-                <a16:creationId xmlns:a16="http://schemas.microsoft.com/office/drawing/2014/main" id="{E60BB177-AB65-4A5E-83EB-0772CF70984B}"/>
-              </a:ext>
-            </a:extLst>
-          </p:cNvPr>
-          <p:cNvSpPr txBox="1">
-            <a:spLocks/>
-          </p:cNvSpPr>
-          <p:nvPr/>
-        </p:nvSpPr>
-        <p:spPr>
-          <a:xfrm>
-            <a:off x="1103312" y="3440411"/>
-            <a:ext cx="8946541" cy="1316181"/>
-          </a:xfrm>
-          <a:prstGeom prst="rect">
-            <a:avLst/>
-          </a:prstGeom>
-        </p:spPr>
-        <p:txBody>
-          <a:bodyPr vert="horz" lIns="91440" tIns="45720" rIns="91440" bIns="45720" rtlCol="0">
-            <a:normAutofit/>
-          </a:bodyPr>
-          <a:lstStyle>
-            <a:lvl1pPr marL="342900" indent="-342900" algn="l" defTabSz="457200" rtl="0" eaLnBrk="1" latinLnBrk="0" hangingPunct="1">
-              <a:spcBef>
-                <a:spcPts val="1000"/>
-              </a:spcBef>
-              <a:spcAft>
-                <a:spcPts val="0"/>
-              </a:spcAft>
-              <a:buClr>
-                <a:schemeClr val="accent1">
-                  <a:lumMod val="60000"/>
-                  <a:lumOff val="40000"/>
-                </a:schemeClr>
-              </a:buClr>
-              <a:buSzPct val="80000"/>
-              <a:buFont typeface="Wingdings 3" charset="2"/>
-              <a:buChar char=""/>
-              <a:defRPr sz="2000" b="0" i="0" kern="1200">
-                <a:solidFill>
-                  <a:schemeClr val="tx1"/>
-                </a:solidFill>
-                <a:latin typeface="+mj-lt"/>
-                <a:ea typeface="+mj-ea"/>
-                <a:cs typeface="+mj-cs"/>
-              </a:defRPr>
-            </a:lvl1pPr>
-            <a:lvl2pPr marL="742950" indent="-285750" algn="l" defTabSz="457200" rtl="0" eaLnBrk="1" latinLnBrk="0" hangingPunct="1">
-              <a:spcBef>
-                <a:spcPts val="1000"/>
-              </a:spcBef>
-              <a:spcAft>
-                <a:spcPts val="0"/>
-              </a:spcAft>
-              <a:buClr>
-                <a:schemeClr val="accent1">
-                  <a:lumMod val="60000"/>
-                  <a:lumOff val="40000"/>
-                </a:schemeClr>
-              </a:buClr>
-              <a:buSzPct val="80000"/>
-              <a:buFont typeface="Wingdings 3" charset="2"/>
-              <a:buChar char=""/>
-              <a:defRPr sz="1800" b="0" i="0" kern="1200">
-                <a:solidFill>
-                  <a:schemeClr val="tx1"/>
-                </a:solidFill>
-                <a:latin typeface="+mj-lt"/>
-                <a:ea typeface="+mj-ea"/>
-                <a:cs typeface="+mj-cs"/>
-              </a:defRPr>
-            </a:lvl2pPr>
-            <a:lvl3pPr marL="1143000" indent="-228600" algn="l" defTabSz="457200" rtl="0" eaLnBrk="1" latinLnBrk="0" hangingPunct="1">
-              <a:spcBef>
-                <a:spcPts val="1000"/>
-              </a:spcBef>
-              <a:spcAft>
-                <a:spcPts val="0"/>
-              </a:spcAft>
-              <a:buClr>
-                <a:schemeClr val="accent1">
-                  <a:lumMod val="60000"/>
-                  <a:lumOff val="40000"/>
-                </a:schemeClr>
-              </a:buClr>
-              <a:buSzPct val="80000"/>
-              <a:buFont typeface="Wingdings 3" charset="2"/>
-              <a:buChar char=""/>
-              <a:defRPr sz="1600" b="0" i="0" kern="1200">
-                <a:solidFill>
-                  <a:schemeClr val="tx1"/>
-                </a:solidFill>
-                <a:latin typeface="+mj-lt"/>
-                <a:ea typeface="+mj-ea"/>
-                <a:cs typeface="+mj-cs"/>
-              </a:defRPr>
-            </a:lvl3pPr>
-            <a:lvl4pPr marL="1600200" indent="-228600" algn="l" defTabSz="457200" rtl="0" eaLnBrk="1" latinLnBrk="0" hangingPunct="1">
-              <a:spcBef>
-                <a:spcPts val="1000"/>
-              </a:spcBef>
-              <a:spcAft>
-                <a:spcPts val="0"/>
-              </a:spcAft>
-              <a:buClr>
-                <a:schemeClr val="accent1">
-                  <a:lumMod val="60000"/>
-                  <a:lumOff val="40000"/>
-                </a:schemeClr>
-              </a:buClr>
-              <a:buSzPct val="80000"/>
-              <a:buFont typeface="Wingdings 3" charset="2"/>
-              <a:buChar char=""/>
-              <a:defRPr sz="1400" b="0" i="0" kern="1200">
-                <a:solidFill>
-                  <a:schemeClr val="tx1"/>
-                </a:solidFill>
-                <a:latin typeface="+mj-lt"/>
-                <a:ea typeface="+mj-ea"/>
-                <a:cs typeface="+mj-cs"/>
-              </a:defRPr>
-            </a:lvl4pPr>
-            <a:lvl5pPr marL="2057400" indent="-228600" algn="l" defTabSz="457200" rtl="0" eaLnBrk="1" latinLnBrk="0" hangingPunct="1">
-              <a:spcBef>
-                <a:spcPts val="1000"/>
-              </a:spcBef>
-              <a:spcAft>
-                <a:spcPts val="0"/>
-              </a:spcAft>
-              <a:buClr>
-                <a:schemeClr val="accent1">
-                  <a:lumMod val="60000"/>
-                  <a:lumOff val="40000"/>
-                </a:schemeClr>
-              </a:buClr>
-              <a:buSzPct val="80000"/>
-              <a:buFont typeface="Wingdings 3" charset="2"/>
-              <a:buChar char=""/>
-              <a:defRPr sz="1400" b="0" i="0" kern="1200">
-                <a:solidFill>
-                  <a:schemeClr val="tx1"/>
-                </a:solidFill>
-                <a:latin typeface="+mj-lt"/>
-                <a:ea typeface="+mj-ea"/>
-                <a:cs typeface="+mj-cs"/>
-              </a:defRPr>
-            </a:lvl5pPr>
-            <a:lvl6pPr marL="2514600" indent="-228600" algn="l" defTabSz="457200" rtl="0" eaLnBrk="1" latinLnBrk="0" hangingPunct="1">
-              <a:spcBef>
-                <a:spcPts val="1000"/>
-              </a:spcBef>
-              <a:spcAft>
-                <a:spcPts val="0"/>
-              </a:spcAft>
-              <a:buClr>
-                <a:schemeClr val="accent1">
-                  <a:lumMod val="60000"/>
-                  <a:lumOff val="40000"/>
-                </a:schemeClr>
-              </a:buClr>
-              <a:buSzPct val="80000"/>
-              <a:buFont typeface="Wingdings 3" charset="2"/>
-              <a:buChar char=""/>
-              <a:defRPr sz="1400" b="0" i="0" kern="1200">
-                <a:solidFill>
-                  <a:schemeClr val="tx1"/>
-                </a:solidFill>
-                <a:latin typeface="+mj-lt"/>
-                <a:ea typeface="+mj-ea"/>
-                <a:cs typeface="+mj-cs"/>
-              </a:defRPr>
-            </a:lvl6pPr>
-            <a:lvl7pPr marL="2971800" indent="-228600" algn="l" defTabSz="457200" rtl="0" eaLnBrk="1" latinLnBrk="0" hangingPunct="1">
-              <a:spcBef>
-                <a:spcPts val="1000"/>
-              </a:spcBef>
-              <a:spcAft>
-                <a:spcPts val="0"/>
-              </a:spcAft>
-              <a:buClr>
-                <a:schemeClr val="accent1">
-                  <a:lumMod val="60000"/>
-                  <a:lumOff val="40000"/>
-                </a:schemeClr>
-              </a:buClr>
-              <a:buSzPct val="80000"/>
-              <a:buFont typeface="Wingdings 3" charset="2"/>
-              <a:buChar char=""/>
-              <a:defRPr sz="1400" b="0" i="0" kern="1200">
-                <a:solidFill>
-                  <a:schemeClr val="tx1"/>
-                </a:solidFill>
-                <a:latin typeface="+mj-lt"/>
-                <a:ea typeface="+mj-ea"/>
-                <a:cs typeface="+mj-cs"/>
-              </a:defRPr>
-            </a:lvl7pPr>
-            <a:lvl8pPr marL="3429000" indent="-228600" algn="l" defTabSz="457200" rtl="0" eaLnBrk="1" latinLnBrk="0" hangingPunct="1">
-              <a:spcBef>
-                <a:spcPts val="1000"/>
-              </a:spcBef>
-              <a:spcAft>
-                <a:spcPts val="0"/>
-              </a:spcAft>
-              <a:buClr>
-                <a:schemeClr val="accent1">
-                  <a:lumMod val="60000"/>
-                  <a:lumOff val="40000"/>
-                </a:schemeClr>
-              </a:buClr>
-              <a:buSzPct val="80000"/>
-              <a:buFont typeface="Wingdings 3" charset="2"/>
-              <a:buChar char=""/>
-              <a:defRPr sz="1400" b="0" i="0" kern="1200">
-                <a:solidFill>
-                  <a:schemeClr val="tx1"/>
-                </a:solidFill>
-                <a:latin typeface="+mj-lt"/>
-                <a:ea typeface="+mj-ea"/>
-                <a:cs typeface="+mj-cs"/>
-              </a:defRPr>
-            </a:lvl8pPr>
-            <a:lvl9pPr marL="3886200" indent="-228600" algn="l" defTabSz="457200" rtl="0" eaLnBrk="1" latinLnBrk="0" hangingPunct="1">
-              <a:spcBef>
-                <a:spcPts val="1000"/>
-              </a:spcBef>
-              <a:spcAft>
-                <a:spcPts val="0"/>
-              </a:spcAft>
-              <a:buClr>
-                <a:schemeClr val="accent1">
-                  <a:lumMod val="60000"/>
-                  <a:lumOff val="40000"/>
-                </a:schemeClr>
-              </a:buClr>
-              <a:buSzPct val="80000"/>
-              <a:buFont typeface="Wingdings 3" charset="2"/>
-              <a:buChar char=""/>
-              <a:defRPr sz="1400" b="0" i="0" kern="1200">
-                <a:solidFill>
-                  <a:schemeClr val="tx1"/>
-                </a:solidFill>
-                <a:latin typeface="+mj-lt"/>
-                <a:ea typeface="+mj-ea"/>
-                <a:cs typeface="+mj-cs"/>
-              </a:defRPr>
-            </a:lvl9pPr>
-          </a:lstStyle>
-          <a:p>
-            <a:r>
-              <a:rPr lang="en-US" dirty="0"/>
-              <a:t>JavaScript arrays are used to store multiple values in a single variable.</a:t>
-            </a:r>
-          </a:p>
-          <a:p>
+              <a:t>Practice all the concepts taught on </a:t>
+            </a:r>
             <a:r>
               <a:rPr lang="en-US" dirty="0">
                 <a:hlinkClick r:id="rId3"/>
               </a:rPr>
-              <a:t>https://www.w3schools.com/js/js_arrays.asp</a:t>
-            </a:r>
-            <a:endParaRPr lang="en-US" dirty="0"/>
-          </a:p>
-        </p:txBody>
-      </p:sp>
-      <p:sp>
-        <p:nvSpPr>
-          <p:cNvPr id="6" name="Title 1">
-            <a:extLst>
-              <a:ext uri="{FF2B5EF4-FFF2-40B4-BE49-F238E27FC236}">
-                <a16:creationId xmlns:a16="http://schemas.microsoft.com/office/drawing/2014/main" id="{1AE0687C-6E8B-4E34-8B9E-7813208E0420}"/>
-              </a:ext>
-            </a:extLst>
-          </p:cNvPr>
-          <p:cNvSpPr txBox="1">
-            <a:spLocks/>
-          </p:cNvSpPr>
-          <p:nvPr/>
-        </p:nvSpPr>
-        <p:spPr>
-          <a:xfrm>
-            <a:off x="646111" y="4706063"/>
-            <a:ext cx="9404723" cy="835755"/>
-          </a:xfrm>
-          <a:prstGeom prst="rect">
-            <a:avLst/>
-          </a:prstGeom>
-        </p:spPr>
-        <p:txBody>
-          <a:bodyPr vert="horz" lIns="91440" tIns="45720" rIns="91440" bIns="45720" rtlCol="0" anchor="t">
-            <a:noAutofit/>
-          </a:bodyPr>
-          <a:lstStyle>
-            <a:lvl1pPr algn="l" defTabSz="457200" rtl="0" eaLnBrk="1" latinLnBrk="0" hangingPunct="1">
-              <a:spcBef>
-                <a:spcPct val="0"/>
-              </a:spcBef>
-              <a:buNone/>
-              <a:defRPr sz="4200" b="0" i="0" kern="1200">
-                <a:solidFill>
-                  <a:schemeClr val="tx2"/>
-                </a:solidFill>
-                <a:latin typeface="+mj-lt"/>
-                <a:ea typeface="+mj-ea"/>
-                <a:cs typeface="+mj-cs"/>
-              </a:defRPr>
-            </a:lvl1pPr>
-            <a:lvl2pPr eaLnBrk="1" hangingPunct="1">
-              <a:defRPr>
-                <a:solidFill>
-                  <a:schemeClr val="tx2"/>
-                </a:solidFill>
-              </a:defRPr>
-            </a:lvl2pPr>
-            <a:lvl3pPr eaLnBrk="1" hangingPunct="1">
-              <a:defRPr>
-                <a:solidFill>
-                  <a:schemeClr val="tx2"/>
-                </a:solidFill>
-              </a:defRPr>
-            </a:lvl3pPr>
-            <a:lvl4pPr eaLnBrk="1" hangingPunct="1">
-              <a:defRPr>
-                <a:solidFill>
-                  <a:schemeClr val="tx2"/>
-                </a:solidFill>
-              </a:defRPr>
-            </a:lvl4pPr>
-            <a:lvl5pPr eaLnBrk="1" hangingPunct="1">
-              <a:defRPr>
-                <a:solidFill>
-                  <a:schemeClr val="tx2"/>
-                </a:solidFill>
-              </a:defRPr>
-            </a:lvl5pPr>
-            <a:lvl6pPr eaLnBrk="1" hangingPunct="1">
-              <a:defRPr>
-                <a:solidFill>
-                  <a:schemeClr val="tx2"/>
-                </a:solidFill>
-              </a:defRPr>
-            </a:lvl6pPr>
-            <a:lvl7pPr eaLnBrk="1" hangingPunct="1">
-              <a:defRPr>
-                <a:solidFill>
-                  <a:schemeClr val="tx2"/>
-                </a:solidFill>
-              </a:defRPr>
-            </a:lvl7pPr>
-            <a:lvl8pPr eaLnBrk="1" hangingPunct="1">
-              <a:defRPr>
-                <a:solidFill>
-                  <a:schemeClr val="tx2"/>
-                </a:solidFill>
-              </a:defRPr>
-            </a:lvl8pPr>
-            <a:lvl9pPr eaLnBrk="1" hangingPunct="1">
-              <a:defRPr>
-                <a:solidFill>
-                  <a:schemeClr val="tx2"/>
-                </a:solidFill>
-              </a:defRPr>
-            </a:lvl9pPr>
-          </a:lstStyle>
-          <a:p>
+              <a:t>www.w3schools.com</a:t>
+            </a:r>
             <a:r>
               <a:rPr lang="en-US" dirty="0"/>
-              <a:t>JavaScript Array Methods</a:t>
-            </a:r>
-          </a:p>
-        </p:txBody>
-      </p:sp>
-      <p:sp>
-        <p:nvSpPr>
-          <p:cNvPr id="7" name="Content Placeholder 2">
-            <a:extLst>
-              <a:ext uri="{FF2B5EF4-FFF2-40B4-BE49-F238E27FC236}">
-                <a16:creationId xmlns:a16="http://schemas.microsoft.com/office/drawing/2014/main" id="{7829DC20-7DCE-461B-BDC2-6243BD7B8E86}"/>
-              </a:ext>
-            </a:extLst>
-          </p:cNvPr>
-          <p:cNvSpPr txBox="1">
-            <a:spLocks/>
-          </p:cNvSpPr>
-          <p:nvPr/>
-        </p:nvSpPr>
-        <p:spPr>
-          <a:xfrm>
-            <a:off x="1103312" y="5791200"/>
-            <a:ext cx="8946541" cy="1066800"/>
-          </a:xfrm>
-          <a:prstGeom prst="rect">
-            <a:avLst/>
-          </a:prstGeom>
-        </p:spPr>
-        <p:txBody>
-          <a:bodyPr vert="horz" lIns="91440" tIns="45720" rIns="91440" bIns="45720" rtlCol="0">
-            <a:normAutofit/>
-          </a:bodyPr>
-          <a:lstStyle>
-            <a:lvl1pPr marL="342900" indent="-342900" algn="l" defTabSz="457200" rtl="0" eaLnBrk="1" latinLnBrk="0" hangingPunct="1">
-              <a:spcBef>
-                <a:spcPts val="1000"/>
-              </a:spcBef>
-              <a:spcAft>
-                <a:spcPts val="0"/>
-              </a:spcAft>
-              <a:buClr>
-                <a:schemeClr val="accent1">
-                  <a:lumMod val="60000"/>
-                  <a:lumOff val="40000"/>
-                </a:schemeClr>
-              </a:buClr>
-              <a:buSzPct val="80000"/>
-              <a:buFont typeface="Wingdings 3" charset="2"/>
-              <a:buChar char=""/>
-              <a:defRPr sz="2000" b="0" i="0" kern="1200">
-                <a:solidFill>
-                  <a:schemeClr val="tx1"/>
-                </a:solidFill>
-                <a:latin typeface="+mj-lt"/>
-                <a:ea typeface="+mj-ea"/>
-                <a:cs typeface="+mj-cs"/>
-              </a:defRPr>
-            </a:lvl1pPr>
-            <a:lvl2pPr marL="742950" indent="-285750" algn="l" defTabSz="457200" rtl="0" eaLnBrk="1" latinLnBrk="0" hangingPunct="1">
-              <a:spcBef>
-                <a:spcPts val="1000"/>
-              </a:spcBef>
-              <a:spcAft>
-                <a:spcPts val="0"/>
-              </a:spcAft>
-              <a:buClr>
-                <a:schemeClr val="accent1">
-                  <a:lumMod val="60000"/>
-                  <a:lumOff val="40000"/>
-                </a:schemeClr>
-              </a:buClr>
-              <a:buSzPct val="80000"/>
-              <a:buFont typeface="Wingdings 3" charset="2"/>
-              <a:buChar char=""/>
-              <a:defRPr sz="1800" b="0" i="0" kern="1200">
-                <a:solidFill>
-                  <a:schemeClr val="tx1"/>
-                </a:solidFill>
-                <a:latin typeface="+mj-lt"/>
-                <a:ea typeface="+mj-ea"/>
-                <a:cs typeface="+mj-cs"/>
-              </a:defRPr>
-            </a:lvl2pPr>
-            <a:lvl3pPr marL="1143000" indent="-228600" algn="l" defTabSz="457200" rtl="0" eaLnBrk="1" latinLnBrk="0" hangingPunct="1">
-              <a:spcBef>
-                <a:spcPts val="1000"/>
-              </a:spcBef>
-              <a:spcAft>
-                <a:spcPts val="0"/>
-              </a:spcAft>
-              <a:buClr>
-                <a:schemeClr val="accent1">
-                  <a:lumMod val="60000"/>
-                  <a:lumOff val="40000"/>
-                </a:schemeClr>
-              </a:buClr>
-              <a:buSzPct val="80000"/>
-              <a:buFont typeface="Wingdings 3" charset="2"/>
-              <a:buChar char=""/>
-              <a:defRPr sz="1600" b="0" i="0" kern="1200">
-                <a:solidFill>
-                  <a:schemeClr val="tx1"/>
-                </a:solidFill>
-                <a:latin typeface="+mj-lt"/>
-                <a:ea typeface="+mj-ea"/>
-                <a:cs typeface="+mj-cs"/>
-              </a:defRPr>
-            </a:lvl3pPr>
-            <a:lvl4pPr marL="1600200" indent="-228600" algn="l" defTabSz="457200" rtl="0" eaLnBrk="1" latinLnBrk="0" hangingPunct="1">
-              <a:spcBef>
-                <a:spcPts val="1000"/>
-              </a:spcBef>
-              <a:spcAft>
-                <a:spcPts val="0"/>
-              </a:spcAft>
-              <a:buClr>
-                <a:schemeClr val="accent1">
-                  <a:lumMod val="60000"/>
-                  <a:lumOff val="40000"/>
-                </a:schemeClr>
-              </a:buClr>
-              <a:buSzPct val="80000"/>
-              <a:buFont typeface="Wingdings 3" charset="2"/>
-              <a:buChar char=""/>
-              <a:defRPr sz="1400" b="0" i="0" kern="1200">
-                <a:solidFill>
-                  <a:schemeClr val="tx1"/>
-                </a:solidFill>
-                <a:latin typeface="+mj-lt"/>
-                <a:ea typeface="+mj-ea"/>
-                <a:cs typeface="+mj-cs"/>
-              </a:defRPr>
-            </a:lvl4pPr>
-            <a:lvl5pPr marL="2057400" indent="-228600" algn="l" defTabSz="457200" rtl="0" eaLnBrk="1" latinLnBrk="0" hangingPunct="1">
-              <a:spcBef>
-                <a:spcPts val="1000"/>
-              </a:spcBef>
-              <a:spcAft>
-                <a:spcPts val="0"/>
-              </a:spcAft>
-              <a:buClr>
-                <a:schemeClr val="accent1">
-                  <a:lumMod val="60000"/>
-                  <a:lumOff val="40000"/>
-                </a:schemeClr>
-              </a:buClr>
-              <a:buSzPct val="80000"/>
-              <a:buFont typeface="Wingdings 3" charset="2"/>
-              <a:buChar char=""/>
-              <a:defRPr sz="1400" b="0" i="0" kern="1200">
-                <a:solidFill>
-                  <a:schemeClr val="tx1"/>
-                </a:solidFill>
-                <a:latin typeface="+mj-lt"/>
-                <a:ea typeface="+mj-ea"/>
-                <a:cs typeface="+mj-cs"/>
-              </a:defRPr>
-            </a:lvl5pPr>
-            <a:lvl6pPr marL="2514600" indent="-228600" algn="l" defTabSz="457200" rtl="0" eaLnBrk="1" latinLnBrk="0" hangingPunct="1">
-              <a:spcBef>
-                <a:spcPts val="1000"/>
-              </a:spcBef>
-              <a:spcAft>
-                <a:spcPts val="0"/>
-              </a:spcAft>
-              <a:buClr>
-                <a:schemeClr val="accent1">
-                  <a:lumMod val="60000"/>
-                  <a:lumOff val="40000"/>
-                </a:schemeClr>
-              </a:buClr>
-              <a:buSzPct val="80000"/>
-              <a:buFont typeface="Wingdings 3" charset="2"/>
-              <a:buChar char=""/>
-              <a:defRPr sz="1400" b="0" i="0" kern="1200">
-                <a:solidFill>
-                  <a:schemeClr val="tx1"/>
-                </a:solidFill>
-                <a:latin typeface="+mj-lt"/>
-                <a:ea typeface="+mj-ea"/>
-                <a:cs typeface="+mj-cs"/>
-              </a:defRPr>
-            </a:lvl6pPr>
-            <a:lvl7pPr marL="2971800" indent="-228600" algn="l" defTabSz="457200" rtl="0" eaLnBrk="1" latinLnBrk="0" hangingPunct="1">
-              <a:spcBef>
-                <a:spcPts val="1000"/>
-              </a:spcBef>
-              <a:spcAft>
-                <a:spcPts val="0"/>
-              </a:spcAft>
-              <a:buClr>
-                <a:schemeClr val="accent1">
-                  <a:lumMod val="60000"/>
-                  <a:lumOff val="40000"/>
-                </a:schemeClr>
-              </a:buClr>
-              <a:buSzPct val="80000"/>
-              <a:buFont typeface="Wingdings 3" charset="2"/>
-              <a:buChar char=""/>
-              <a:defRPr sz="1400" b="0" i="0" kern="1200">
-                <a:solidFill>
-                  <a:schemeClr val="tx1"/>
-                </a:solidFill>
-                <a:latin typeface="+mj-lt"/>
-                <a:ea typeface="+mj-ea"/>
-                <a:cs typeface="+mj-cs"/>
-              </a:defRPr>
-            </a:lvl7pPr>
-            <a:lvl8pPr marL="3429000" indent="-228600" algn="l" defTabSz="457200" rtl="0" eaLnBrk="1" latinLnBrk="0" hangingPunct="1">
-              <a:spcBef>
-                <a:spcPts val="1000"/>
-              </a:spcBef>
-              <a:spcAft>
-                <a:spcPts val="0"/>
-              </a:spcAft>
-              <a:buClr>
-                <a:schemeClr val="accent1">
-                  <a:lumMod val="60000"/>
-                  <a:lumOff val="40000"/>
-                </a:schemeClr>
-              </a:buClr>
-              <a:buSzPct val="80000"/>
-              <a:buFont typeface="Wingdings 3" charset="2"/>
-              <a:buChar char=""/>
-              <a:defRPr sz="1400" b="0" i="0" kern="1200">
-                <a:solidFill>
-                  <a:schemeClr val="tx1"/>
-                </a:solidFill>
-                <a:latin typeface="+mj-lt"/>
-                <a:ea typeface="+mj-ea"/>
-                <a:cs typeface="+mj-cs"/>
-              </a:defRPr>
-            </a:lvl8pPr>
-            <a:lvl9pPr marL="3886200" indent="-228600" algn="l" defTabSz="457200" rtl="0" eaLnBrk="1" latinLnBrk="0" hangingPunct="1">
-              <a:spcBef>
-                <a:spcPts val="1000"/>
-              </a:spcBef>
-              <a:spcAft>
-                <a:spcPts val="0"/>
-              </a:spcAft>
-              <a:buClr>
-                <a:schemeClr val="accent1">
-                  <a:lumMod val="60000"/>
-                  <a:lumOff val="40000"/>
-                </a:schemeClr>
-              </a:buClr>
-              <a:buSzPct val="80000"/>
-              <a:buFont typeface="Wingdings 3" charset="2"/>
-              <a:buChar char=""/>
-              <a:defRPr sz="1400" b="0" i="0" kern="1200">
-                <a:solidFill>
-                  <a:schemeClr val="tx1"/>
-                </a:solidFill>
-                <a:latin typeface="+mj-lt"/>
-                <a:ea typeface="+mj-ea"/>
-                <a:cs typeface="+mj-cs"/>
-              </a:defRPr>
-            </a:lvl9pPr>
-          </a:lstStyle>
-          <a:p>
-            <a:r>
-              <a:rPr lang="en-US" dirty="0">
-                <a:hlinkClick r:id="rId4"/>
-              </a:rPr>
-              <a:t>https://www.w3schools.com/js/js_array_methods.asp</a:t>
-            </a:r>
+              <a:t> try it editor.</a:t>
+            </a:r>
+          </a:p>
+          <a:p>
+            <a:endParaRPr lang="en-US" dirty="0"/>
+          </a:p>
+          <a:p>
             <a:endParaRPr lang="en-US" dirty="0"/>
           </a:p>
         </p:txBody>
@@ -8773,13 +7710,20 @@
     </p:spTree>
     <p:extLst>
       <p:ext uri="{BB962C8B-B14F-4D97-AF65-F5344CB8AC3E}">
-        <p14:creationId xmlns:p14="http://schemas.microsoft.com/office/powerpoint/2010/main" val="704698071"/>
+        <p14:creationId xmlns:p14="http://schemas.microsoft.com/office/powerpoint/2010/main" val="1754032022"/>
       </p:ext>
     </p:extLst>
   </p:cSld>
   <p:clrMapOvr>
     <a:masterClrMapping/>
   </p:clrMapOvr>
+  <p:timing>
+    <p:tnLst>
+      <p:par>
+        <p:cTn id="1" dur="indefinite" restart="never" nodeType="tmRoot"/>
+      </p:par>
+    </p:tnLst>
+  </p:timing>
 </p:sld>
 </file>
 
@@ -8805,139 +7749,6 @@
           <p:cNvPr id="2" name="Title 1">
             <a:extLst>
               <a:ext uri="{FF2B5EF4-FFF2-40B4-BE49-F238E27FC236}">
-                <a16:creationId xmlns:a16="http://schemas.microsoft.com/office/drawing/2014/main" id="{70926CA4-12AA-4DE6-8C63-2B16EF2C04EA}"/>
-              </a:ext>
-            </a:extLst>
-          </p:cNvPr>
-          <p:cNvSpPr>
-            <a:spLocks noGrp="1"/>
-          </p:cNvSpPr>
-          <p:nvPr>
-            <p:ph type="title"/>
-          </p:nvPr>
-        </p:nvSpPr>
-        <p:spPr/>
-        <p:txBody>
-          <a:bodyPr/>
-          <a:lstStyle/>
-          <a:p>
-            <a:r>
-              <a:rPr lang="en-US" dirty="0"/>
-              <a:t>Exam 2 – 7/13/2018 (Friday)</a:t>
-            </a:r>
-          </a:p>
-        </p:txBody>
-      </p:sp>
-      <p:sp>
-        <p:nvSpPr>
-          <p:cNvPr id="3" name="Content Placeholder 2">
-            <a:extLst>
-              <a:ext uri="{FF2B5EF4-FFF2-40B4-BE49-F238E27FC236}">
-                <a16:creationId xmlns:a16="http://schemas.microsoft.com/office/drawing/2014/main" id="{1EBFAA01-4E2E-44CE-A6BA-EB2794DE7827}"/>
-              </a:ext>
-            </a:extLst>
-          </p:cNvPr>
-          <p:cNvSpPr>
-            <a:spLocks noGrp="1"/>
-          </p:cNvSpPr>
-          <p:nvPr>
-            <p:ph idx="1"/>
-          </p:nvPr>
-        </p:nvSpPr>
-        <p:spPr>
-          <a:xfrm>
-            <a:off x="1103312" y="2052918"/>
-            <a:ext cx="9167123" cy="2744369"/>
-          </a:xfrm>
-        </p:spPr>
-        <p:txBody>
-          <a:bodyPr/>
-          <a:lstStyle/>
-          <a:p>
-            <a:r>
-              <a:rPr lang="en-US" dirty="0"/>
-              <a:t>Study all slides on Cascading Style Sheets(CSS):</a:t>
-            </a:r>
-          </a:p>
-          <a:p>
-            <a:endParaRPr lang="en-US" dirty="0">
-              <a:hlinkClick r:id="rId2"/>
-            </a:endParaRPr>
-          </a:p>
-          <a:p>
-            <a:r>
-              <a:rPr lang="en-US" dirty="0">
-                <a:hlinkClick r:id="rId2"/>
-              </a:rPr>
-              <a:t>https://github.com/manupeethambar888/webdev</a:t>
-            </a:r>
-            <a:endParaRPr lang="en-US" dirty="0"/>
-          </a:p>
-          <a:p>
-            <a:pPr marL="0" indent="0">
-              <a:buNone/>
-            </a:pPr>
-            <a:endParaRPr lang="en-US" dirty="0"/>
-          </a:p>
-          <a:p>
-            <a:r>
-              <a:rPr lang="en-US" dirty="0"/>
-              <a:t>Practice all the concepts taught on </a:t>
-            </a:r>
-            <a:r>
-              <a:rPr lang="en-US" dirty="0">
-                <a:hlinkClick r:id="rId3"/>
-              </a:rPr>
-              <a:t>www.w3schools.com</a:t>
-            </a:r>
-            <a:r>
-              <a:rPr lang="en-US" dirty="0"/>
-              <a:t> try it editor.</a:t>
-            </a:r>
-          </a:p>
-          <a:p>
-            <a:endParaRPr lang="en-US" dirty="0"/>
-          </a:p>
-          <a:p>
-            <a:endParaRPr lang="en-US" dirty="0"/>
-          </a:p>
-        </p:txBody>
-      </p:sp>
-    </p:spTree>
-    <p:extLst>
-      <p:ext uri="{BB962C8B-B14F-4D97-AF65-F5344CB8AC3E}">
-        <p14:creationId xmlns:p14="http://schemas.microsoft.com/office/powerpoint/2010/main" val="1754032022"/>
-      </p:ext>
-    </p:extLst>
-  </p:cSld>
-  <p:clrMapOvr>
-    <a:masterClrMapping/>
-  </p:clrMapOvr>
-</p:sld>
-</file>
-
-<file path=ppt/slides/slide6.xml><?xml version="1.0" encoding="utf-8"?>
-<p:sld xmlns:a="http://schemas.openxmlformats.org/drawingml/2006/main" xmlns:r="http://schemas.openxmlformats.org/officeDocument/2006/relationships" xmlns:p="http://schemas.openxmlformats.org/presentationml/2006/main">
-  <p:cSld>
-    <p:spTree>
-      <p:nvGrpSpPr>
-        <p:cNvPr id="1" name=""/>
-        <p:cNvGrpSpPr/>
-        <p:nvPr/>
-      </p:nvGrpSpPr>
-      <p:grpSpPr>
-        <a:xfrm>
-          <a:off x="0" y="0"/>
-          <a:ext cx="0" cy="0"/>
-          <a:chOff x="0" y="0"/>
-          <a:chExt cx="0" cy="0"/>
-        </a:xfrm>
-      </p:grpSpPr>
-      <p:sp>
-        <p:nvSpPr>
-          <p:cNvPr id="2" name="Title 1">
-            <a:extLst>
-              <a:ext uri="{FF2B5EF4-FFF2-40B4-BE49-F238E27FC236}">
                 <a16:creationId xmlns:a16="http://schemas.microsoft.com/office/drawing/2014/main" id="{A99C3B02-22AC-4EA3-8A62-AF612D47F890}"/>
               </a:ext>
             </a:extLst>
@@ -9082,10 +7893,17 @@
   <p:clrMapOvr>
     <a:masterClrMapping/>
   </p:clrMapOvr>
+  <p:timing>
+    <p:tnLst>
+      <p:par>
+        <p:cTn id="1" dur="indefinite" restart="never" nodeType="tmRoot"/>
+      </p:par>
+    </p:tnLst>
+  </p:timing>
 </p:sld>
 </file>
 
-<file path=ppt/slides/slide7.xml><?xml version="1.0" encoding="utf-8"?>
+<file path=ppt/slides/slide6.xml><?xml version="1.0" encoding="utf-8"?>
 <p:sld xmlns:a="http://schemas.openxmlformats.org/drawingml/2006/main" xmlns:r="http://schemas.openxmlformats.org/officeDocument/2006/relationships" xmlns:p="http://schemas.openxmlformats.org/presentationml/2006/main">
   <p:cSld>
     <p:spTree>
@@ -9302,6 +8120,13 @@
   <p:clrMapOvr>
     <a:masterClrMapping/>
   </p:clrMapOvr>
+  <p:timing>
+    <p:tnLst>
+      <p:par>
+        <p:cTn id="1" dur="indefinite" restart="never" nodeType="tmRoot"/>
+      </p:par>
+    </p:tnLst>
+  </p:timing>
 </p:sld>
 </file>
 
